--- a/.documentation/Presentazione ium.pptx
+++ b/.documentation/Presentazione ium.pptx
@@ -264,7 +264,7 @@
           <a:p>
             <a:fld id="{F5C2ABC5-FB0B-4CED-8FCE-F59719E92E80}" type="datetimeFigureOut">
               <a:rPr lang="it-IT" smtClean="0"/>
-              <a:t>19/12/2016</a:t>
+              <a:t>12/01/2017</a:t>
             </a:fld>
             <a:endParaRPr lang="it-IT"/>
           </a:p>
@@ -432,7 +432,7 @@
           <a:p>
             <a:fld id="{F5C2ABC5-FB0B-4CED-8FCE-F59719E92E80}" type="datetimeFigureOut">
               <a:rPr lang="it-IT" smtClean="0"/>
-              <a:t>19/12/2016</a:t>
+              <a:t>12/01/2017</a:t>
             </a:fld>
             <a:endParaRPr lang="it-IT"/>
           </a:p>
@@ -610,7 +610,7 @@
           <a:p>
             <a:fld id="{F5C2ABC5-FB0B-4CED-8FCE-F59719E92E80}" type="datetimeFigureOut">
               <a:rPr lang="it-IT" smtClean="0"/>
-              <a:t>19/12/2016</a:t>
+              <a:t>12/01/2017</a:t>
             </a:fld>
             <a:endParaRPr lang="it-IT"/>
           </a:p>
@@ -778,7 +778,7 @@
           <a:p>
             <a:fld id="{F5C2ABC5-FB0B-4CED-8FCE-F59719E92E80}" type="datetimeFigureOut">
               <a:rPr lang="it-IT" smtClean="0"/>
-              <a:t>19/12/2016</a:t>
+              <a:t>12/01/2017</a:t>
             </a:fld>
             <a:endParaRPr lang="it-IT"/>
           </a:p>
@@ -1023,7 +1023,7 @@
           <a:p>
             <a:fld id="{F5C2ABC5-FB0B-4CED-8FCE-F59719E92E80}" type="datetimeFigureOut">
               <a:rPr lang="it-IT" smtClean="0"/>
-              <a:t>19/12/2016</a:t>
+              <a:t>12/01/2017</a:t>
             </a:fld>
             <a:endParaRPr lang="it-IT"/>
           </a:p>
@@ -1252,7 +1252,7 @@
           <a:p>
             <a:fld id="{F5C2ABC5-FB0B-4CED-8FCE-F59719E92E80}" type="datetimeFigureOut">
               <a:rPr lang="it-IT" smtClean="0"/>
-              <a:t>19/12/2016</a:t>
+              <a:t>12/01/2017</a:t>
             </a:fld>
             <a:endParaRPr lang="it-IT"/>
           </a:p>
@@ -1616,7 +1616,7 @@
           <a:p>
             <a:fld id="{F5C2ABC5-FB0B-4CED-8FCE-F59719E92E80}" type="datetimeFigureOut">
               <a:rPr lang="it-IT" smtClean="0"/>
-              <a:t>19/12/2016</a:t>
+              <a:t>12/01/2017</a:t>
             </a:fld>
             <a:endParaRPr lang="it-IT"/>
           </a:p>
@@ -1733,7 +1733,7 @@
           <a:p>
             <a:fld id="{F5C2ABC5-FB0B-4CED-8FCE-F59719E92E80}" type="datetimeFigureOut">
               <a:rPr lang="it-IT" smtClean="0"/>
-              <a:t>19/12/2016</a:t>
+              <a:t>12/01/2017</a:t>
             </a:fld>
             <a:endParaRPr lang="it-IT"/>
           </a:p>
@@ -1828,7 +1828,7 @@
           <a:p>
             <a:fld id="{F5C2ABC5-FB0B-4CED-8FCE-F59719E92E80}" type="datetimeFigureOut">
               <a:rPr lang="it-IT" smtClean="0"/>
-              <a:t>19/12/2016</a:t>
+              <a:t>12/01/2017</a:t>
             </a:fld>
             <a:endParaRPr lang="it-IT"/>
           </a:p>
@@ -2103,7 +2103,7 @@
           <a:p>
             <a:fld id="{F5C2ABC5-FB0B-4CED-8FCE-F59719E92E80}" type="datetimeFigureOut">
               <a:rPr lang="it-IT" smtClean="0"/>
-              <a:t>19/12/2016</a:t>
+              <a:t>12/01/2017</a:t>
             </a:fld>
             <a:endParaRPr lang="it-IT"/>
           </a:p>
@@ -2355,7 +2355,7 @@
           <a:p>
             <a:fld id="{F5C2ABC5-FB0B-4CED-8FCE-F59719E92E80}" type="datetimeFigureOut">
               <a:rPr lang="it-IT" smtClean="0"/>
-              <a:t>19/12/2016</a:t>
+              <a:t>12/01/2017</a:t>
             </a:fld>
             <a:endParaRPr lang="it-IT"/>
           </a:p>
@@ -2566,7 +2566,7 @@
           <a:p>
             <a:fld id="{F5C2ABC5-FB0B-4CED-8FCE-F59719E92E80}" type="datetimeFigureOut">
               <a:rPr lang="it-IT" smtClean="0"/>
-              <a:t>19/12/2016</a:t>
+              <a:t>12/01/2017</a:t>
             </a:fld>
             <a:endParaRPr lang="it-IT"/>
           </a:p>
@@ -3946,7 +3946,7 @@
             </a:r>
             <a:r>
               <a:rPr lang="it-IT" sz="1600" dirty="0"/>
-              <a:t>, Expert, etc. Rispetto a database come i loro, di cui abbiamo avuto modo di utilizzo, il nostro fornisce all’utente un’interfaccia grafica migliore. Questo per far sì che il prodotto risulti familiare ed accessibile a qualsiasi tipologia di utente, quali persone anziane (quindi con eventuali problemi di vista) e utenti alle prime armi (che, grazie ad un pulsante di aiuto, potranno conoscere nel dettaglio tutte le funzionalità dell’applicativo). Da questo, il volere implementare un’interfaccia semplice, tuttavia completa, che consenta agli utenti di utilizzare al meglio l’applicazione. </a:t>
+              <a:t>, Expert, etc. Rispetto a database come i loro, di cui abbiamo avuto modo di utilizzo, il nostro fornisce all’utente un’interfaccia grafica migliore. Questo per far sì che il prodotto risulti familiare ed accessibile a qualsiasi tipologia di utente, quali persone anziane (quindi con eventuali problemi di vista) e utenti alle prime armi. Da questo, il volere implementare un’interfaccia semplice, tuttavia completa, che consenta agli utenti di utilizzare al meglio l’applicazione. </a:t>
             </a:r>
           </a:p>
         </p:txBody>
@@ -6367,22 +6367,26 @@
               <a:t>Manager del gruppo</a:t>
             </a:r>
             <a:r>
+              <a:rPr lang="it-IT" sz="1600"/>
+              <a:t>: </a:t>
+            </a:r>
+            <a:r>
+              <a:rPr lang="it-IT" sz="1600" i="1"/>
+              <a:t>Simone Monaco</a:t>
+            </a:r>
+            <a:endParaRPr lang="it-IT" sz="1600"/>
+          </a:p>
+          <a:p>
+            <a:pPr marL="0" indent="0" algn="just">
+              <a:buNone/>
+            </a:pPr>
+            <a:r>
+              <a:rPr lang="it-IT" sz="1600"/>
+              <a:t>- </a:t>
+            </a:r>
+            <a:r>
               <a:rPr lang="it-IT" sz="1600" dirty="0"/>
-              <a:t>: </a:t>
-            </a:r>
-            <a:r>
-              <a:rPr lang="it-IT" sz="1600" i="1" dirty="0"/>
-              <a:t>Francesco Perrino</a:t>
-            </a:r>
-            <a:endParaRPr lang="it-IT" sz="1600" dirty="0"/>
-          </a:p>
-          <a:p>
-            <a:pPr marL="0" indent="0" algn="just">
-              <a:buNone/>
-            </a:pPr>
-            <a:r>
-              <a:rPr lang="it-IT" sz="1600" dirty="0"/>
-              <a:t>- Coordina le attività del gruppo e mantiene la visione globale del lavoro che si sta svolgendo. Egli si occuperà di coordinare il lavoro insieme agli altri membri per raggiungere la massima efficienza possibile.</a:t>
+              <a:t>Coordina le attività del gruppo e mantiene la visione globale del lavoro che si sta svolgendo. Egli si occuperà di coordinare il lavoro insieme agli altri membri per raggiungere la massima efficienza possibile.</a:t>
             </a:r>
           </a:p>
           <a:p>
@@ -6443,7 +6447,7 @@
             </a:r>
             <a:r>
               <a:rPr lang="it-IT" sz="1600" i="1" dirty="0"/>
-              <a:t>Simone Monaco</a:t>
+              <a:t>Francesco Perrino</a:t>
             </a:r>
             <a:endParaRPr lang="it-IT" sz="1600" dirty="0"/>
           </a:p>
